--- a/Hibernate.pptx
+++ b/Hibernate.pptx
@@ -23,7 +23,8 @@
     <p:sldId id="296" r:id="rId17"/>
     <p:sldId id="297" r:id="rId18"/>
     <p:sldId id="298" r:id="rId19"/>
-    <p:sldId id="269" r:id="rId20"/>
+    <p:sldId id="299" r:id="rId20"/>
+    <p:sldId id="269" r:id="rId21"/>
   </p:sldIdLst>
   <p:sldSz cx="9144000" cy="6858000" type="screen4x3"/>
   <p:notesSz cx="6858000" cy="9144000"/>
@@ -313,7 +314,7 @@
           <a:p>
             <a:fld id="{8F235549-BF0A-4B98-8561-3786244E808C}" type="datetimeFigureOut">
               <a:rPr lang="en-US" smtClean="0"/>
-              <a:t>3/17/2016</a:t>
+              <a:t>3/31/2016</a:t>
             </a:fld>
             <a:endParaRPr lang="en-US"/>
           </a:p>
@@ -513,7 +514,7 @@
           <a:p>
             <a:fld id="{8F235549-BF0A-4B98-8561-3786244E808C}" type="datetimeFigureOut">
               <a:rPr lang="en-US" smtClean="0"/>
-              <a:t>3/17/2016</a:t>
+              <a:t>3/31/2016</a:t>
             </a:fld>
             <a:endParaRPr lang="en-US"/>
           </a:p>
@@ -688,7 +689,7 @@
           <a:p>
             <a:fld id="{8F235549-BF0A-4B98-8561-3786244E808C}" type="datetimeFigureOut">
               <a:rPr lang="en-US" smtClean="0"/>
-              <a:t>3/17/2016</a:t>
+              <a:t>3/31/2016</a:t>
             </a:fld>
             <a:endParaRPr lang="en-US"/>
           </a:p>
@@ -853,7 +854,7 @@
           <a:p>
             <a:fld id="{8F235549-BF0A-4B98-8561-3786244E808C}" type="datetimeFigureOut">
               <a:rPr lang="en-US" smtClean="0"/>
-              <a:t>3/17/2016</a:t>
+              <a:t>3/31/2016</a:t>
             </a:fld>
             <a:endParaRPr lang="en-US"/>
           </a:p>
@@ -1101,7 +1102,7 @@
           <a:p>
             <a:fld id="{8F235549-BF0A-4B98-8561-3786244E808C}" type="datetimeFigureOut">
               <a:rPr lang="en-US" smtClean="0"/>
-              <a:t>3/17/2016</a:t>
+              <a:t>3/31/2016</a:t>
             </a:fld>
             <a:endParaRPr lang="en-US"/>
           </a:p>
@@ -1419,7 +1420,7 @@
           <a:p>
             <a:fld id="{8F235549-BF0A-4B98-8561-3786244E808C}" type="datetimeFigureOut">
               <a:rPr lang="en-US" smtClean="0"/>
-              <a:t>3/17/2016</a:t>
+              <a:t>3/31/2016</a:t>
             </a:fld>
             <a:endParaRPr lang="en-US"/>
           </a:p>
@@ -1885,7 +1886,7 @@
           <a:p>
             <a:fld id="{8F235549-BF0A-4B98-8561-3786244E808C}" type="datetimeFigureOut">
               <a:rPr lang="en-US" smtClean="0"/>
-              <a:t>3/17/2016</a:t>
+              <a:t>3/31/2016</a:t>
             </a:fld>
             <a:endParaRPr lang="en-US"/>
           </a:p>
@@ -2033,7 +2034,7 @@
           <a:p>
             <a:fld id="{8F235549-BF0A-4B98-8561-3786244E808C}" type="datetimeFigureOut">
               <a:rPr lang="en-US" smtClean="0"/>
-              <a:t>3/17/2016</a:t>
+              <a:t>3/31/2016</a:t>
             </a:fld>
             <a:endParaRPr lang="en-US"/>
           </a:p>
@@ -2123,7 +2124,7 @@
           <a:p>
             <a:fld id="{8F235549-BF0A-4B98-8561-3786244E808C}" type="datetimeFigureOut">
               <a:rPr lang="en-US" smtClean="0"/>
-              <a:t>3/17/2016</a:t>
+              <a:t>3/31/2016</a:t>
             </a:fld>
             <a:endParaRPr lang="en-US"/>
           </a:p>
@@ -2397,7 +2398,7 @@
           <a:p>
             <a:fld id="{8F235549-BF0A-4B98-8561-3786244E808C}" type="datetimeFigureOut">
               <a:rPr lang="en-US" smtClean="0"/>
-              <a:t>3/17/2016</a:t>
+              <a:t>3/31/2016</a:t>
             </a:fld>
             <a:endParaRPr lang="en-US"/>
           </a:p>
@@ -2702,7 +2703,7 @@
           <a:p>
             <a:fld id="{8F235549-BF0A-4B98-8561-3786244E808C}" type="datetimeFigureOut">
               <a:rPr lang="en-US" smtClean="0"/>
-              <a:t>3/17/2016</a:t>
+              <a:t>3/31/2016</a:t>
             </a:fld>
             <a:endParaRPr lang="en-US"/>
           </a:p>
@@ -3000,7 +3001,7 @@
           <a:p>
             <a:fld id="{8F235549-BF0A-4B98-8561-3786244E808C}" type="datetimeFigureOut">
               <a:rPr lang="en-US" smtClean="0"/>
-              <a:t>3/17/2016</a:t>
+              <a:t>3/31/2016</a:t>
             </a:fld>
             <a:endParaRPr lang="en-US"/>
           </a:p>
@@ -3831,11 +3832,7 @@
           <a:p>
             <a:r>
               <a:rPr lang="en-US" dirty="0" smtClean="0"/>
-              <a:t>Hibernate – </a:t>
-            </a:r>
-            <a:r>
-              <a:rPr lang="en-US" dirty="0" smtClean="0"/>
-              <a:t>Object/Relational </a:t>
+              <a:t>Hibernate – Object/Relational </a:t>
             </a:r>
             <a:r>
               <a:rPr lang="en-US" dirty="0"/>
@@ -4108,11 +4105,7 @@
           <a:p>
             <a:r>
               <a:rPr lang="en-US" dirty="0" smtClean="0"/>
-              <a:t>Hibernate – </a:t>
-            </a:r>
-            <a:r>
-              <a:rPr lang="en-US" dirty="0" smtClean="0"/>
-              <a:t>Object/Relational </a:t>
+              <a:t>Hibernate – Object/Relational </a:t>
             </a:r>
             <a:r>
               <a:rPr lang="en-US" dirty="0"/>
@@ -4433,11 +4426,7 @@
           <a:p>
             <a:r>
               <a:rPr lang="en-US" dirty="0" smtClean="0"/>
-              <a:t>Hibernate – </a:t>
-            </a:r>
-            <a:r>
-              <a:rPr lang="en-US" dirty="0" smtClean="0"/>
-              <a:t>Differences</a:t>
+              <a:t>Hibernate – Differences</a:t>
             </a:r>
             <a:endParaRPr lang="en-US" dirty="0"/>
           </a:p>
@@ -5381,11 +5370,7 @@
           <a:p>
             <a:r>
               <a:rPr lang="en-US" dirty="0" smtClean="0"/>
-              <a:t>Hibernate – </a:t>
-            </a:r>
-            <a:r>
-              <a:rPr lang="en-US" dirty="0" smtClean="0"/>
-              <a:t>Lazy Loading</a:t>
+              <a:t>Hibernate – Lazy Loading</a:t>
             </a:r>
             <a:endParaRPr lang="en-US" dirty="0"/>
           </a:p>
@@ -5506,11 +5491,7 @@
           <a:p>
             <a:r>
               <a:rPr lang="en-US" dirty="0" smtClean="0"/>
-              <a:t>Hibernate – </a:t>
-            </a:r>
-            <a:r>
-              <a:rPr lang="en-US" dirty="0" smtClean="0"/>
-              <a:t>Cache</a:t>
+              <a:t>Hibernate – Cache</a:t>
             </a:r>
             <a:endParaRPr lang="en-US" dirty="0"/>
           </a:p>
@@ -5692,11 +5673,7 @@
           <a:p>
             <a:r>
               <a:rPr lang="en-US" dirty="0" smtClean="0"/>
-              <a:t>Hibernate – </a:t>
-            </a:r>
-            <a:r>
-              <a:rPr lang="en-US" dirty="0" smtClean="0"/>
-              <a:t>Concurrency Strategies</a:t>
+              <a:t>Hibernate – Concurrency Strategies</a:t>
             </a:r>
             <a:endParaRPr lang="en-US" dirty="0"/>
           </a:p>
@@ -6162,64 +6139,1193 @@
         </p:nvSpPr>
         <p:spPr/>
         <p:txBody>
-          <a:bodyPr/>
-          <a:lstStyle/>
-          <a:p>
-            <a:r>
-              <a:rPr lang="en-US" dirty="0" smtClean="0"/>
-              <a:t>References</a:t>
-            </a:r>
-            <a:endParaRPr lang="en-US" dirty="0"/>
-          </a:p>
-        </p:txBody>
-      </p:sp>
-      <p:sp>
-        <p:nvSpPr>
-          <p:cNvPr id="3" name="Content Placeholder 2"/>
-          <p:cNvSpPr>
-            <a:spLocks noGrp="1"/>
-          </p:cNvSpPr>
-          <p:nvPr>
-            <p:ph idx="1"/>
-          </p:nvPr>
-        </p:nvSpPr>
-        <p:spPr/>
-        <p:txBody>
           <a:bodyPr>
             <a:normAutofit/>
           </a:bodyPr>
           <a:lstStyle/>
           <a:p>
             <a:r>
-              <a:rPr lang="en-US" sz="1600" dirty="0">
-                <a:hlinkClick r:id="rId2"/>
-              </a:rPr>
-              <a:t>http://</a:t>
-            </a:r>
-            <a:r>
-              <a:rPr lang="en-US" sz="1600" dirty="0" smtClean="0">
-                <a:hlinkClick r:id="rId2"/>
-              </a:rPr>
-              <a:t>www.tutorialspoint.com/hibernate/hibernate_interview_questions.htm</a:t>
-            </a:r>
-            <a:endParaRPr lang="en-US" sz="1600" dirty="0" smtClean="0"/>
-          </a:p>
-          <a:p>
-            <a:r>
-              <a:rPr lang="en-US" sz="1600" dirty="0"/>
-              <a:t>https://dzone.com/articles/jpa-performance-optimization</a:t>
-            </a:r>
-            <a:endParaRPr lang="en-US" sz="1600" dirty="0" smtClean="0"/>
-          </a:p>
-          <a:p>
-            <a:endParaRPr lang="en-US" sz="1600" dirty="0" smtClean="0"/>
-          </a:p>
-        </p:txBody>
-      </p:sp>
+              <a:rPr lang="en-US" dirty="0" smtClean="0"/>
+              <a:t>JPA – </a:t>
+            </a:r>
+            <a:r>
+              <a:rPr lang="en-US" dirty="0" smtClean="0"/>
+              <a:t>EclipseLink when to use?</a:t>
+            </a:r>
+            <a:endParaRPr lang="en-US" dirty="0"/>
+          </a:p>
+        </p:txBody>
+      </p:sp>
+      <p:graphicFrame>
+        <p:nvGraphicFramePr>
+          <p:cNvPr id="4" name="Table 3"/>
+          <p:cNvGraphicFramePr>
+            <a:graphicFrameLocks noGrp="1"/>
+          </p:cNvGraphicFramePr>
+          <p:nvPr>
+            <p:extLst>
+              <p:ext uri="{D42A27DB-BD31-4B8C-83A1-F6EECF244321}">
+                <p14:modId xmlns:p14="http://schemas.microsoft.com/office/powerpoint/2010/main" val="1857215215"/>
+              </p:ext>
+            </p:extLst>
+          </p:nvPr>
+        </p:nvGraphicFramePr>
+        <p:xfrm>
+          <a:off x="611560" y="1772816"/>
+          <a:ext cx="6096000" cy="3942080"/>
+        </p:xfrm>
+        <a:graphic>
+          <a:graphicData uri="http://schemas.openxmlformats.org/drawingml/2006/table">
+            <a:tbl>
+              <a:tblPr firstRow="1" bandRow="1">
+                <a:tableStyleId>{5A111915-BE36-4E01-A7E5-04B1672EAD32}</a:tableStyleId>
+              </a:tblPr>
+              <a:tblGrid>
+                <a:gridCol w="2032000"/>
+                <a:gridCol w="2032000"/>
+                <a:gridCol w="2032000"/>
+              </a:tblGrid>
+              <a:tr h="370840">
+                <a:tc>
+                  <a:txBody>
+                    <a:bodyPr/>
+                    <a:lstStyle/>
+                    <a:p>
+                      <a:r>
+                        <a:rPr lang="en-US" dirty="0" smtClean="0"/>
+                        <a:t>Parameter</a:t>
+                      </a:r>
+                      <a:endParaRPr lang="en-US" dirty="0"/>
+                    </a:p>
+                  </a:txBody>
+                  <a:tcPr>
+                    <a:lnL w="12700" cap="flat" cmpd="sng" algn="ctr">
+                      <a:solidFill>
+                        <a:schemeClr val="tx1"/>
+                      </a:solidFill>
+                      <a:prstDash val="solid"/>
+                      <a:round/>
+                      <a:headEnd type="none" w="med" len="med"/>
+                      <a:tailEnd type="none" w="med" len="med"/>
+                    </a:lnL>
+                    <a:lnR w="12700" cap="flat" cmpd="sng" algn="ctr">
+                      <a:solidFill>
+                        <a:schemeClr val="tx1"/>
+                      </a:solidFill>
+                      <a:prstDash val="solid"/>
+                      <a:round/>
+                      <a:headEnd type="none" w="med" len="med"/>
+                      <a:tailEnd type="none" w="med" len="med"/>
+                    </a:lnR>
+                    <a:lnT w="12700" cap="flat" cmpd="sng" algn="ctr">
+                      <a:solidFill>
+                        <a:schemeClr val="tx1"/>
+                      </a:solidFill>
+                      <a:prstDash val="solid"/>
+                      <a:round/>
+                      <a:headEnd type="none" w="med" len="med"/>
+                      <a:tailEnd type="none" w="med" len="med"/>
+                    </a:lnT>
+                    <a:lnB w="12700" cap="flat" cmpd="sng" algn="ctr">
+                      <a:solidFill>
+                        <a:schemeClr val="tx1"/>
+                      </a:solidFill>
+                      <a:prstDash val="solid"/>
+                      <a:round/>
+                      <a:headEnd type="none" w="med" len="med"/>
+                      <a:tailEnd type="none" w="med" len="med"/>
+                    </a:lnB>
+                  </a:tcPr>
+                </a:tc>
+                <a:tc>
+                  <a:txBody>
+                    <a:bodyPr/>
+                    <a:lstStyle/>
+                    <a:p>
+                      <a:r>
+                        <a:rPr lang="en-US" dirty="0" smtClean="0"/>
+                        <a:t>EclipseLink</a:t>
+                      </a:r>
+                      <a:endParaRPr lang="en-US" dirty="0"/>
+                    </a:p>
+                  </a:txBody>
+                  <a:tcPr>
+                    <a:lnL w="12700" cap="flat" cmpd="sng" algn="ctr">
+                      <a:solidFill>
+                        <a:schemeClr val="tx1"/>
+                      </a:solidFill>
+                      <a:prstDash val="solid"/>
+                      <a:round/>
+                      <a:headEnd type="none" w="med" len="med"/>
+                      <a:tailEnd type="none" w="med" len="med"/>
+                    </a:lnL>
+                    <a:lnR w="12700" cap="flat" cmpd="sng" algn="ctr">
+                      <a:solidFill>
+                        <a:schemeClr val="tx1"/>
+                      </a:solidFill>
+                      <a:prstDash val="solid"/>
+                      <a:round/>
+                      <a:headEnd type="none" w="med" len="med"/>
+                      <a:tailEnd type="none" w="med" len="med"/>
+                    </a:lnR>
+                    <a:lnT w="12700" cap="flat" cmpd="sng" algn="ctr">
+                      <a:solidFill>
+                        <a:schemeClr val="tx1"/>
+                      </a:solidFill>
+                      <a:prstDash val="solid"/>
+                      <a:round/>
+                      <a:headEnd type="none" w="med" len="med"/>
+                      <a:tailEnd type="none" w="med" len="med"/>
+                    </a:lnT>
+                    <a:lnB w="12700" cap="flat" cmpd="sng" algn="ctr">
+                      <a:solidFill>
+                        <a:schemeClr val="tx1"/>
+                      </a:solidFill>
+                      <a:prstDash val="solid"/>
+                      <a:round/>
+                      <a:headEnd type="none" w="med" len="med"/>
+                      <a:tailEnd type="none" w="med" len="med"/>
+                    </a:lnB>
+                  </a:tcPr>
+                </a:tc>
+                <a:tc>
+                  <a:txBody>
+                    <a:bodyPr/>
+                    <a:lstStyle/>
+                    <a:p>
+                      <a:r>
+                        <a:rPr lang="en-US" dirty="0" smtClean="0"/>
+                        <a:t>Hibernate</a:t>
+                      </a:r>
+                      <a:endParaRPr lang="en-US" dirty="0"/>
+                    </a:p>
+                  </a:txBody>
+                  <a:tcPr>
+                    <a:lnL w="12700" cap="flat" cmpd="sng" algn="ctr">
+                      <a:solidFill>
+                        <a:schemeClr val="tx1"/>
+                      </a:solidFill>
+                      <a:prstDash val="solid"/>
+                      <a:round/>
+                      <a:headEnd type="none" w="med" len="med"/>
+                      <a:tailEnd type="none" w="med" len="med"/>
+                    </a:lnL>
+                    <a:lnR w="12700" cap="flat" cmpd="sng" algn="ctr">
+                      <a:solidFill>
+                        <a:schemeClr val="tx1"/>
+                      </a:solidFill>
+                      <a:prstDash val="solid"/>
+                      <a:round/>
+                      <a:headEnd type="none" w="med" len="med"/>
+                      <a:tailEnd type="none" w="med" len="med"/>
+                    </a:lnR>
+                    <a:lnT w="12700" cap="flat" cmpd="sng" algn="ctr">
+                      <a:solidFill>
+                        <a:schemeClr val="tx1"/>
+                      </a:solidFill>
+                      <a:prstDash val="solid"/>
+                      <a:round/>
+                      <a:headEnd type="none" w="med" len="med"/>
+                      <a:tailEnd type="none" w="med" len="med"/>
+                    </a:lnT>
+                    <a:lnB w="12700" cap="flat" cmpd="sng" algn="ctr">
+                      <a:solidFill>
+                        <a:schemeClr val="tx1"/>
+                      </a:solidFill>
+                      <a:prstDash val="solid"/>
+                      <a:round/>
+                      <a:headEnd type="none" w="med" len="med"/>
+                      <a:tailEnd type="none" w="med" len="med"/>
+                    </a:lnB>
+                  </a:tcPr>
+                </a:tc>
+              </a:tr>
+              <a:tr h="370840">
+                <a:tc>
+                  <a:txBody>
+                    <a:bodyPr/>
+                    <a:lstStyle/>
+                    <a:p>
+                      <a:r>
+                        <a:rPr lang="en-US" dirty="0" smtClean="0"/>
+                        <a:t>JPA2</a:t>
+                      </a:r>
+                      <a:r>
+                        <a:rPr lang="en-US" baseline="0" dirty="0" smtClean="0"/>
+                        <a:t> Compliant</a:t>
+                      </a:r>
+                      <a:endParaRPr lang="en-US" dirty="0"/>
+                    </a:p>
+                  </a:txBody>
+                  <a:tcPr>
+                    <a:lnL w="12700" cap="flat" cmpd="sng" algn="ctr">
+                      <a:solidFill>
+                        <a:schemeClr val="tx1"/>
+                      </a:solidFill>
+                      <a:prstDash val="solid"/>
+                      <a:round/>
+                      <a:headEnd type="none" w="med" len="med"/>
+                      <a:tailEnd type="none" w="med" len="med"/>
+                    </a:lnL>
+                    <a:lnR w="12700" cap="flat" cmpd="sng" algn="ctr">
+                      <a:solidFill>
+                        <a:schemeClr val="tx1"/>
+                      </a:solidFill>
+                      <a:prstDash val="solid"/>
+                      <a:round/>
+                      <a:headEnd type="none" w="med" len="med"/>
+                      <a:tailEnd type="none" w="med" len="med"/>
+                    </a:lnR>
+                    <a:lnT w="12700" cap="flat" cmpd="sng" algn="ctr">
+                      <a:solidFill>
+                        <a:schemeClr val="tx1"/>
+                      </a:solidFill>
+                      <a:prstDash val="solid"/>
+                      <a:round/>
+                      <a:headEnd type="none" w="med" len="med"/>
+                      <a:tailEnd type="none" w="med" len="med"/>
+                    </a:lnT>
+                    <a:lnB w="12700" cap="flat" cmpd="sng" algn="ctr">
+                      <a:solidFill>
+                        <a:schemeClr val="tx1"/>
+                      </a:solidFill>
+                      <a:prstDash val="solid"/>
+                      <a:round/>
+                      <a:headEnd type="none" w="med" len="med"/>
+                      <a:tailEnd type="none" w="med" len="med"/>
+                    </a:lnB>
+                  </a:tcPr>
+                </a:tc>
+                <a:tc>
+                  <a:txBody>
+                    <a:bodyPr/>
+                    <a:lstStyle/>
+                    <a:p>
+                      <a:r>
+                        <a:rPr lang="en-US" dirty="0" smtClean="0"/>
+                        <a:t>Yes</a:t>
+                      </a:r>
+                      <a:endParaRPr lang="en-US" dirty="0"/>
+                    </a:p>
+                  </a:txBody>
+                  <a:tcPr>
+                    <a:lnL w="12700" cap="flat" cmpd="sng" algn="ctr">
+                      <a:solidFill>
+                        <a:schemeClr val="tx1"/>
+                      </a:solidFill>
+                      <a:prstDash val="solid"/>
+                      <a:round/>
+                      <a:headEnd type="none" w="med" len="med"/>
+                      <a:tailEnd type="none" w="med" len="med"/>
+                    </a:lnL>
+                    <a:lnR w="12700" cap="flat" cmpd="sng" algn="ctr">
+                      <a:solidFill>
+                        <a:schemeClr val="tx1"/>
+                      </a:solidFill>
+                      <a:prstDash val="solid"/>
+                      <a:round/>
+                      <a:headEnd type="none" w="med" len="med"/>
+                      <a:tailEnd type="none" w="med" len="med"/>
+                    </a:lnR>
+                    <a:lnT w="12700" cap="flat" cmpd="sng" algn="ctr">
+                      <a:solidFill>
+                        <a:schemeClr val="tx1"/>
+                      </a:solidFill>
+                      <a:prstDash val="solid"/>
+                      <a:round/>
+                      <a:headEnd type="none" w="med" len="med"/>
+                      <a:tailEnd type="none" w="med" len="med"/>
+                    </a:lnT>
+                    <a:lnB w="12700" cap="flat" cmpd="sng" algn="ctr">
+                      <a:solidFill>
+                        <a:schemeClr val="tx1"/>
+                      </a:solidFill>
+                      <a:prstDash val="solid"/>
+                      <a:round/>
+                      <a:headEnd type="none" w="med" len="med"/>
+                      <a:tailEnd type="none" w="med" len="med"/>
+                    </a:lnB>
+                  </a:tcPr>
+                </a:tc>
+                <a:tc>
+                  <a:txBody>
+                    <a:bodyPr/>
+                    <a:lstStyle/>
+                    <a:p>
+                      <a:r>
+                        <a:rPr lang="en-US" dirty="0" smtClean="0"/>
+                        <a:t>No</a:t>
+                      </a:r>
+                      <a:endParaRPr lang="en-US" dirty="0"/>
+                    </a:p>
+                  </a:txBody>
+                  <a:tcPr>
+                    <a:lnL w="12700" cap="flat" cmpd="sng" algn="ctr">
+                      <a:solidFill>
+                        <a:schemeClr val="tx1"/>
+                      </a:solidFill>
+                      <a:prstDash val="solid"/>
+                      <a:round/>
+                      <a:headEnd type="none" w="med" len="med"/>
+                      <a:tailEnd type="none" w="med" len="med"/>
+                    </a:lnL>
+                    <a:lnR w="12700" cap="flat" cmpd="sng" algn="ctr">
+                      <a:solidFill>
+                        <a:schemeClr val="tx1"/>
+                      </a:solidFill>
+                      <a:prstDash val="solid"/>
+                      <a:round/>
+                      <a:headEnd type="none" w="med" len="med"/>
+                      <a:tailEnd type="none" w="med" len="med"/>
+                    </a:lnR>
+                    <a:lnT w="12700" cap="flat" cmpd="sng" algn="ctr">
+                      <a:solidFill>
+                        <a:schemeClr val="tx1"/>
+                      </a:solidFill>
+                      <a:prstDash val="solid"/>
+                      <a:round/>
+                      <a:headEnd type="none" w="med" len="med"/>
+                      <a:tailEnd type="none" w="med" len="med"/>
+                    </a:lnT>
+                    <a:lnB w="12700" cap="flat" cmpd="sng" algn="ctr">
+                      <a:solidFill>
+                        <a:schemeClr val="tx1"/>
+                      </a:solidFill>
+                      <a:prstDash val="solid"/>
+                      <a:round/>
+                      <a:headEnd type="none" w="med" len="med"/>
+                      <a:tailEnd type="none" w="med" len="med"/>
+                    </a:lnB>
+                  </a:tcPr>
+                </a:tc>
+              </a:tr>
+              <a:tr h="370840">
+                <a:tc>
+                  <a:txBody>
+                    <a:bodyPr/>
+                    <a:lstStyle/>
+                    <a:p>
+                      <a:r>
+                        <a:rPr lang="en-US" dirty="0" smtClean="0"/>
+                        <a:t>Native SQL functions</a:t>
+                      </a:r>
+                      <a:endParaRPr lang="en-US" dirty="0"/>
+                    </a:p>
+                  </a:txBody>
+                  <a:tcPr>
+                    <a:lnL w="12700" cap="flat" cmpd="sng" algn="ctr">
+                      <a:solidFill>
+                        <a:schemeClr val="tx1"/>
+                      </a:solidFill>
+                      <a:prstDash val="solid"/>
+                      <a:round/>
+                      <a:headEnd type="none" w="med" len="med"/>
+                      <a:tailEnd type="none" w="med" len="med"/>
+                    </a:lnL>
+                    <a:lnR w="12700" cap="flat" cmpd="sng" algn="ctr">
+                      <a:solidFill>
+                        <a:schemeClr val="tx1"/>
+                      </a:solidFill>
+                      <a:prstDash val="solid"/>
+                      <a:round/>
+                      <a:headEnd type="none" w="med" len="med"/>
+                      <a:tailEnd type="none" w="med" len="med"/>
+                    </a:lnR>
+                    <a:lnT w="12700" cap="flat" cmpd="sng" algn="ctr">
+                      <a:solidFill>
+                        <a:schemeClr val="tx1"/>
+                      </a:solidFill>
+                      <a:prstDash val="solid"/>
+                      <a:round/>
+                      <a:headEnd type="none" w="med" len="med"/>
+                      <a:tailEnd type="none" w="med" len="med"/>
+                    </a:lnT>
+                    <a:lnB w="12700" cap="flat" cmpd="sng" algn="ctr">
+                      <a:solidFill>
+                        <a:schemeClr val="tx1"/>
+                      </a:solidFill>
+                      <a:prstDash val="solid"/>
+                      <a:round/>
+                      <a:headEnd type="none" w="med" len="med"/>
+                      <a:tailEnd type="none" w="med" len="med"/>
+                    </a:lnB>
+                  </a:tcPr>
+                </a:tc>
+                <a:tc>
+                  <a:txBody>
+                    <a:bodyPr/>
+                    <a:lstStyle/>
+                    <a:p>
+                      <a:r>
+                        <a:rPr lang="en-US" dirty="0" smtClean="0"/>
+                        <a:t>Yes,</a:t>
+                      </a:r>
+                      <a:r>
+                        <a:rPr lang="en-US" baseline="0" dirty="0" smtClean="0"/>
+                        <a:t> can be used directly in JPQL</a:t>
+                      </a:r>
+                      <a:endParaRPr lang="en-US" dirty="0"/>
+                    </a:p>
+                  </a:txBody>
+                  <a:tcPr>
+                    <a:lnL w="12700" cap="flat" cmpd="sng" algn="ctr">
+                      <a:solidFill>
+                        <a:schemeClr val="tx1"/>
+                      </a:solidFill>
+                      <a:prstDash val="solid"/>
+                      <a:round/>
+                      <a:headEnd type="none" w="med" len="med"/>
+                      <a:tailEnd type="none" w="med" len="med"/>
+                    </a:lnL>
+                    <a:lnR w="12700" cap="flat" cmpd="sng" algn="ctr">
+                      <a:solidFill>
+                        <a:schemeClr val="tx1"/>
+                      </a:solidFill>
+                      <a:prstDash val="solid"/>
+                      <a:round/>
+                      <a:headEnd type="none" w="med" len="med"/>
+                      <a:tailEnd type="none" w="med" len="med"/>
+                    </a:lnR>
+                    <a:lnT w="12700" cap="flat" cmpd="sng" algn="ctr">
+                      <a:solidFill>
+                        <a:schemeClr val="tx1"/>
+                      </a:solidFill>
+                      <a:prstDash val="solid"/>
+                      <a:round/>
+                      <a:headEnd type="none" w="med" len="med"/>
+                      <a:tailEnd type="none" w="med" len="med"/>
+                    </a:lnT>
+                    <a:lnB w="12700" cap="flat" cmpd="sng" algn="ctr">
+                      <a:solidFill>
+                        <a:schemeClr val="tx1"/>
+                      </a:solidFill>
+                      <a:prstDash val="solid"/>
+                      <a:round/>
+                      <a:headEnd type="none" w="med" len="med"/>
+                      <a:tailEnd type="none" w="med" len="med"/>
+                    </a:lnB>
+                  </a:tcPr>
+                </a:tc>
+                <a:tc>
+                  <a:txBody>
+                    <a:bodyPr/>
+                    <a:lstStyle/>
+                    <a:p>
+                      <a:r>
+                        <a:rPr lang="en-US" dirty="0" smtClean="0"/>
+                        <a:t>No</a:t>
+                      </a:r>
+                      <a:endParaRPr lang="en-US" dirty="0"/>
+                    </a:p>
+                  </a:txBody>
+                  <a:tcPr>
+                    <a:lnL w="12700" cap="flat" cmpd="sng" algn="ctr">
+                      <a:solidFill>
+                        <a:schemeClr val="tx1"/>
+                      </a:solidFill>
+                      <a:prstDash val="solid"/>
+                      <a:round/>
+                      <a:headEnd type="none" w="med" len="med"/>
+                      <a:tailEnd type="none" w="med" len="med"/>
+                    </a:lnL>
+                    <a:lnR w="12700" cap="flat" cmpd="sng" algn="ctr">
+                      <a:solidFill>
+                        <a:schemeClr val="tx1"/>
+                      </a:solidFill>
+                      <a:prstDash val="solid"/>
+                      <a:round/>
+                      <a:headEnd type="none" w="med" len="med"/>
+                      <a:tailEnd type="none" w="med" len="med"/>
+                    </a:lnR>
+                    <a:lnT w="12700" cap="flat" cmpd="sng" algn="ctr">
+                      <a:solidFill>
+                        <a:schemeClr val="tx1"/>
+                      </a:solidFill>
+                      <a:prstDash val="solid"/>
+                      <a:round/>
+                      <a:headEnd type="none" w="med" len="med"/>
+                      <a:tailEnd type="none" w="med" len="med"/>
+                    </a:lnT>
+                    <a:lnB w="12700" cap="flat" cmpd="sng" algn="ctr">
+                      <a:solidFill>
+                        <a:schemeClr val="tx1"/>
+                      </a:solidFill>
+                      <a:prstDash val="solid"/>
+                      <a:round/>
+                      <a:headEnd type="none" w="med" len="med"/>
+                      <a:tailEnd type="none" w="med" len="med"/>
+                    </a:lnB>
+                  </a:tcPr>
+                </a:tc>
+              </a:tr>
+              <a:tr h="370840">
+                <a:tc>
+                  <a:txBody>
+                    <a:bodyPr/>
+                    <a:lstStyle/>
+                    <a:p>
+                      <a:r>
+                        <a:rPr lang="en-US" dirty="0" smtClean="0"/>
+                        <a:t>Persistent Operations</a:t>
+                      </a:r>
+                      <a:endParaRPr lang="en-US" dirty="0"/>
+                    </a:p>
+                  </a:txBody>
+                  <a:tcPr>
+                    <a:lnL w="12700" cap="flat" cmpd="sng" algn="ctr">
+                      <a:solidFill>
+                        <a:schemeClr val="tx1"/>
+                      </a:solidFill>
+                      <a:prstDash val="solid"/>
+                      <a:round/>
+                      <a:headEnd type="none" w="med" len="med"/>
+                      <a:tailEnd type="none" w="med" len="med"/>
+                    </a:lnL>
+                    <a:lnR w="12700" cap="flat" cmpd="sng" algn="ctr">
+                      <a:solidFill>
+                        <a:schemeClr val="tx1"/>
+                      </a:solidFill>
+                      <a:prstDash val="solid"/>
+                      <a:round/>
+                      <a:headEnd type="none" w="med" len="med"/>
+                      <a:tailEnd type="none" w="med" len="med"/>
+                    </a:lnR>
+                    <a:lnT w="12700" cap="flat" cmpd="sng" algn="ctr">
+                      <a:solidFill>
+                        <a:schemeClr val="tx1"/>
+                      </a:solidFill>
+                      <a:prstDash val="solid"/>
+                      <a:round/>
+                      <a:headEnd type="none" w="med" len="med"/>
+                      <a:tailEnd type="none" w="med" len="med"/>
+                    </a:lnT>
+                    <a:lnB w="12700" cap="flat" cmpd="sng" algn="ctr">
+                      <a:solidFill>
+                        <a:schemeClr val="tx1"/>
+                      </a:solidFill>
+                      <a:prstDash val="solid"/>
+                      <a:round/>
+                      <a:headEnd type="none" w="med" len="med"/>
+                      <a:tailEnd type="none" w="med" len="med"/>
+                    </a:lnB>
+                  </a:tcPr>
+                </a:tc>
+                <a:tc>
+                  <a:txBody>
+                    <a:bodyPr/>
+                    <a:lstStyle/>
+                    <a:p>
+                      <a:r>
+                        <a:rPr lang="en-US" dirty="0" smtClean="0"/>
+                        <a:t>Slower</a:t>
+                      </a:r>
+                      <a:r>
+                        <a:rPr lang="en-US" baseline="0" dirty="0" smtClean="0"/>
+                        <a:t> compared to Hibernate</a:t>
+                      </a:r>
+                      <a:endParaRPr lang="en-US" dirty="0"/>
+                    </a:p>
+                  </a:txBody>
+                  <a:tcPr>
+                    <a:lnL w="12700" cap="flat" cmpd="sng" algn="ctr">
+                      <a:solidFill>
+                        <a:schemeClr val="tx1"/>
+                      </a:solidFill>
+                      <a:prstDash val="solid"/>
+                      <a:round/>
+                      <a:headEnd type="none" w="med" len="med"/>
+                      <a:tailEnd type="none" w="med" len="med"/>
+                    </a:lnL>
+                    <a:lnR w="12700" cap="flat" cmpd="sng" algn="ctr">
+                      <a:solidFill>
+                        <a:schemeClr val="tx1"/>
+                      </a:solidFill>
+                      <a:prstDash val="solid"/>
+                      <a:round/>
+                      <a:headEnd type="none" w="med" len="med"/>
+                      <a:tailEnd type="none" w="med" len="med"/>
+                    </a:lnR>
+                    <a:lnT w="12700" cap="flat" cmpd="sng" algn="ctr">
+                      <a:solidFill>
+                        <a:schemeClr val="tx1"/>
+                      </a:solidFill>
+                      <a:prstDash val="solid"/>
+                      <a:round/>
+                      <a:headEnd type="none" w="med" len="med"/>
+                      <a:tailEnd type="none" w="med" len="med"/>
+                    </a:lnT>
+                    <a:lnB w="12700" cap="flat" cmpd="sng" algn="ctr">
+                      <a:solidFill>
+                        <a:schemeClr val="tx1"/>
+                      </a:solidFill>
+                      <a:prstDash val="solid"/>
+                      <a:round/>
+                      <a:headEnd type="none" w="med" len="med"/>
+                      <a:tailEnd type="none" w="med" len="med"/>
+                    </a:lnB>
+                  </a:tcPr>
+                </a:tc>
+                <a:tc>
+                  <a:txBody>
+                    <a:bodyPr/>
+                    <a:lstStyle/>
+                    <a:p>
+                      <a:r>
+                        <a:rPr lang="en-US" dirty="0" smtClean="0"/>
+                        <a:t>Better</a:t>
+                      </a:r>
+                      <a:endParaRPr lang="en-US" dirty="0"/>
+                    </a:p>
+                  </a:txBody>
+                  <a:tcPr>
+                    <a:lnL w="12700" cap="flat" cmpd="sng" algn="ctr">
+                      <a:solidFill>
+                        <a:schemeClr val="tx1"/>
+                      </a:solidFill>
+                      <a:prstDash val="solid"/>
+                      <a:round/>
+                      <a:headEnd type="none" w="med" len="med"/>
+                      <a:tailEnd type="none" w="med" len="med"/>
+                    </a:lnL>
+                    <a:lnR w="12700" cap="flat" cmpd="sng" algn="ctr">
+                      <a:solidFill>
+                        <a:schemeClr val="tx1"/>
+                      </a:solidFill>
+                      <a:prstDash val="solid"/>
+                      <a:round/>
+                      <a:headEnd type="none" w="med" len="med"/>
+                      <a:tailEnd type="none" w="med" len="med"/>
+                    </a:lnR>
+                    <a:lnT w="12700" cap="flat" cmpd="sng" algn="ctr">
+                      <a:solidFill>
+                        <a:schemeClr val="tx1"/>
+                      </a:solidFill>
+                      <a:prstDash val="solid"/>
+                      <a:round/>
+                      <a:headEnd type="none" w="med" len="med"/>
+                      <a:tailEnd type="none" w="med" len="med"/>
+                    </a:lnT>
+                    <a:lnB w="12700" cap="flat" cmpd="sng" algn="ctr">
+                      <a:solidFill>
+                        <a:schemeClr val="tx1"/>
+                      </a:solidFill>
+                      <a:prstDash val="solid"/>
+                      <a:round/>
+                      <a:headEnd type="none" w="med" len="med"/>
+                      <a:tailEnd type="none" w="med" len="med"/>
+                    </a:lnB>
+                  </a:tcPr>
+                </a:tc>
+              </a:tr>
+              <a:tr h="370840">
+                <a:tc>
+                  <a:txBody>
+                    <a:bodyPr/>
+                    <a:lstStyle/>
+                    <a:p>
+                      <a:r>
+                        <a:rPr lang="en-US" dirty="0" smtClean="0"/>
+                        <a:t>Retrieval Operations</a:t>
+                      </a:r>
+                      <a:endParaRPr lang="en-US" dirty="0"/>
+                    </a:p>
+                  </a:txBody>
+                  <a:tcPr>
+                    <a:lnL w="12700" cap="flat" cmpd="sng" algn="ctr">
+                      <a:solidFill>
+                        <a:schemeClr val="tx1"/>
+                      </a:solidFill>
+                      <a:prstDash val="solid"/>
+                      <a:round/>
+                      <a:headEnd type="none" w="med" len="med"/>
+                      <a:tailEnd type="none" w="med" len="med"/>
+                    </a:lnL>
+                    <a:lnR w="12700" cap="flat" cmpd="sng" algn="ctr">
+                      <a:solidFill>
+                        <a:schemeClr val="tx1"/>
+                      </a:solidFill>
+                      <a:prstDash val="solid"/>
+                      <a:round/>
+                      <a:headEnd type="none" w="med" len="med"/>
+                      <a:tailEnd type="none" w="med" len="med"/>
+                    </a:lnR>
+                    <a:lnT w="12700" cap="flat" cmpd="sng" algn="ctr">
+                      <a:solidFill>
+                        <a:schemeClr val="tx1"/>
+                      </a:solidFill>
+                      <a:prstDash val="solid"/>
+                      <a:round/>
+                      <a:headEnd type="none" w="med" len="med"/>
+                      <a:tailEnd type="none" w="med" len="med"/>
+                    </a:lnT>
+                    <a:lnB w="12700" cap="flat" cmpd="sng" algn="ctr">
+                      <a:solidFill>
+                        <a:schemeClr val="tx1"/>
+                      </a:solidFill>
+                      <a:prstDash val="solid"/>
+                      <a:round/>
+                      <a:headEnd type="none" w="med" len="med"/>
+                      <a:tailEnd type="none" w="med" len="med"/>
+                    </a:lnB>
+                  </a:tcPr>
+                </a:tc>
+                <a:tc>
+                  <a:txBody>
+                    <a:bodyPr/>
+                    <a:lstStyle/>
+                    <a:p>
+                      <a:r>
+                        <a:rPr lang="en-US" dirty="0" smtClean="0"/>
+                        <a:t>Better</a:t>
+                      </a:r>
+                      <a:r>
+                        <a:rPr lang="en-US" baseline="0" dirty="0" smtClean="0"/>
+                        <a:t> compared to Hibernate</a:t>
+                      </a:r>
+                      <a:endParaRPr lang="en-US" dirty="0"/>
+                    </a:p>
+                  </a:txBody>
+                  <a:tcPr>
+                    <a:lnL w="12700" cap="flat" cmpd="sng" algn="ctr">
+                      <a:solidFill>
+                        <a:schemeClr val="tx1"/>
+                      </a:solidFill>
+                      <a:prstDash val="solid"/>
+                      <a:round/>
+                      <a:headEnd type="none" w="med" len="med"/>
+                      <a:tailEnd type="none" w="med" len="med"/>
+                    </a:lnL>
+                    <a:lnR w="12700" cap="flat" cmpd="sng" algn="ctr">
+                      <a:solidFill>
+                        <a:schemeClr val="tx1"/>
+                      </a:solidFill>
+                      <a:prstDash val="solid"/>
+                      <a:round/>
+                      <a:headEnd type="none" w="med" len="med"/>
+                      <a:tailEnd type="none" w="med" len="med"/>
+                    </a:lnR>
+                    <a:lnT w="12700" cap="flat" cmpd="sng" algn="ctr">
+                      <a:solidFill>
+                        <a:schemeClr val="tx1"/>
+                      </a:solidFill>
+                      <a:prstDash val="solid"/>
+                      <a:round/>
+                      <a:headEnd type="none" w="med" len="med"/>
+                      <a:tailEnd type="none" w="med" len="med"/>
+                    </a:lnT>
+                    <a:lnB w="12700" cap="flat" cmpd="sng" algn="ctr">
+                      <a:solidFill>
+                        <a:schemeClr val="tx1"/>
+                      </a:solidFill>
+                      <a:prstDash val="solid"/>
+                      <a:round/>
+                      <a:headEnd type="none" w="med" len="med"/>
+                      <a:tailEnd type="none" w="med" len="med"/>
+                    </a:lnB>
+                  </a:tcPr>
+                </a:tc>
+                <a:tc>
+                  <a:txBody>
+                    <a:bodyPr/>
+                    <a:lstStyle/>
+                    <a:p>
+                      <a:r>
+                        <a:rPr lang="en-US" dirty="0" smtClean="0"/>
+                        <a:t>Slower</a:t>
+                      </a:r>
+                      <a:endParaRPr lang="en-US" dirty="0"/>
+                    </a:p>
+                  </a:txBody>
+                  <a:tcPr>
+                    <a:lnL w="12700" cap="flat" cmpd="sng" algn="ctr">
+                      <a:solidFill>
+                        <a:schemeClr val="tx1"/>
+                      </a:solidFill>
+                      <a:prstDash val="solid"/>
+                      <a:round/>
+                      <a:headEnd type="none" w="med" len="med"/>
+                      <a:tailEnd type="none" w="med" len="med"/>
+                    </a:lnL>
+                    <a:lnR w="12700" cap="flat" cmpd="sng" algn="ctr">
+                      <a:solidFill>
+                        <a:schemeClr val="tx1"/>
+                      </a:solidFill>
+                      <a:prstDash val="solid"/>
+                      <a:round/>
+                      <a:headEnd type="none" w="med" len="med"/>
+                      <a:tailEnd type="none" w="med" len="med"/>
+                    </a:lnR>
+                    <a:lnT w="12700" cap="flat" cmpd="sng" algn="ctr">
+                      <a:solidFill>
+                        <a:schemeClr val="tx1"/>
+                      </a:solidFill>
+                      <a:prstDash val="solid"/>
+                      <a:round/>
+                      <a:headEnd type="none" w="med" len="med"/>
+                      <a:tailEnd type="none" w="med" len="med"/>
+                    </a:lnT>
+                    <a:lnB w="12700" cap="flat" cmpd="sng" algn="ctr">
+                      <a:solidFill>
+                        <a:schemeClr val="tx1"/>
+                      </a:solidFill>
+                      <a:prstDash val="solid"/>
+                      <a:round/>
+                      <a:headEnd type="none" w="med" len="med"/>
+                      <a:tailEnd type="none" w="med" len="med"/>
+                    </a:lnB>
+                  </a:tcPr>
+                </a:tc>
+              </a:tr>
+              <a:tr h="370840">
+                <a:tc>
+                  <a:txBody>
+                    <a:bodyPr/>
+                    <a:lstStyle/>
+                    <a:p>
+                      <a:r>
+                        <a:rPr lang="en-US" dirty="0" smtClean="0"/>
+                        <a:t>Update Operations</a:t>
+                      </a:r>
+                      <a:endParaRPr lang="en-US" dirty="0"/>
+                    </a:p>
+                  </a:txBody>
+                  <a:tcPr>
+                    <a:lnL w="12700" cap="flat" cmpd="sng" algn="ctr">
+                      <a:solidFill>
+                        <a:schemeClr val="tx1"/>
+                      </a:solidFill>
+                      <a:prstDash val="solid"/>
+                      <a:round/>
+                      <a:headEnd type="none" w="med" len="med"/>
+                      <a:tailEnd type="none" w="med" len="med"/>
+                    </a:lnL>
+                    <a:lnR w="12700" cap="flat" cmpd="sng" algn="ctr">
+                      <a:solidFill>
+                        <a:schemeClr val="tx1"/>
+                      </a:solidFill>
+                      <a:prstDash val="solid"/>
+                      <a:round/>
+                      <a:headEnd type="none" w="med" len="med"/>
+                      <a:tailEnd type="none" w="med" len="med"/>
+                    </a:lnR>
+                    <a:lnT w="12700" cap="flat" cmpd="sng" algn="ctr">
+                      <a:solidFill>
+                        <a:schemeClr val="tx1"/>
+                      </a:solidFill>
+                      <a:prstDash val="solid"/>
+                      <a:round/>
+                      <a:headEnd type="none" w="med" len="med"/>
+                      <a:tailEnd type="none" w="med" len="med"/>
+                    </a:lnT>
+                    <a:lnB w="12700" cap="flat" cmpd="sng" algn="ctr">
+                      <a:solidFill>
+                        <a:schemeClr val="tx1"/>
+                      </a:solidFill>
+                      <a:prstDash val="solid"/>
+                      <a:round/>
+                      <a:headEnd type="none" w="med" len="med"/>
+                      <a:tailEnd type="none" w="med" len="med"/>
+                    </a:lnB>
+                  </a:tcPr>
+                </a:tc>
+                <a:tc>
+                  <a:txBody>
+                    <a:bodyPr/>
+                    <a:lstStyle/>
+                    <a:p>
+                      <a:r>
+                        <a:rPr lang="en-US" dirty="0" smtClean="0"/>
+                        <a:t>Equal in performance</a:t>
+                      </a:r>
+                      <a:endParaRPr lang="en-US" dirty="0"/>
+                    </a:p>
+                  </a:txBody>
+                  <a:tcPr>
+                    <a:lnL w="12700" cap="flat" cmpd="sng" algn="ctr">
+                      <a:solidFill>
+                        <a:schemeClr val="tx1"/>
+                      </a:solidFill>
+                      <a:prstDash val="solid"/>
+                      <a:round/>
+                      <a:headEnd type="none" w="med" len="med"/>
+                      <a:tailEnd type="none" w="med" len="med"/>
+                    </a:lnL>
+                    <a:lnR w="12700" cap="flat" cmpd="sng" algn="ctr">
+                      <a:solidFill>
+                        <a:schemeClr val="tx1"/>
+                      </a:solidFill>
+                      <a:prstDash val="solid"/>
+                      <a:round/>
+                      <a:headEnd type="none" w="med" len="med"/>
+                      <a:tailEnd type="none" w="med" len="med"/>
+                    </a:lnR>
+                    <a:lnT w="12700" cap="flat" cmpd="sng" algn="ctr">
+                      <a:solidFill>
+                        <a:schemeClr val="tx1"/>
+                      </a:solidFill>
+                      <a:prstDash val="solid"/>
+                      <a:round/>
+                      <a:headEnd type="none" w="med" len="med"/>
+                      <a:tailEnd type="none" w="med" len="med"/>
+                    </a:lnT>
+                    <a:lnB w="12700" cap="flat" cmpd="sng" algn="ctr">
+                      <a:solidFill>
+                        <a:schemeClr val="tx1"/>
+                      </a:solidFill>
+                      <a:prstDash val="solid"/>
+                      <a:round/>
+                      <a:headEnd type="none" w="med" len="med"/>
+                      <a:tailEnd type="none" w="med" len="med"/>
+                    </a:lnB>
+                  </a:tcPr>
+                </a:tc>
+                <a:tc>
+                  <a:txBody>
+                    <a:bodyPr/>
+                    <a:lstStyle/>
+                    <a:p>
+                      <a:pPr marL="0" marR="0" indent="0" algn="l" defTabSz="914400" rtl="0" eaLnBrk="1" fontAlgn="auto" latinLnBrk="0" hangingPunct="1">
+                        <a:lnSpc>
+                          <a:spcPct val="100000"/>
+                        </a:lnSpc>
+                        <a:spcBef>
+                          <a:spcPts val="0"/>
+                        </a:spcBef>
+                        <a:spcAft>
+                          <a:spcPts val="0"/>
+                        </a:spcAft>
+                        <a:buClrTx/>
+                        <a:buSzTx/>
+                        <a:buFontTx/>
+                        <a:buNone/>
+                        <a:tabLst/>
+                        <a:defRPr/>
+                      </a:pPr>
+                      <a:r>
+                        <a:rPr lang="en-US" dirty="0" smtClean="0"/>
+                        <a:t>Equal in performance</a:t>
+                      </a:r>
+                    </a:p>
+                  </a:txBody>
+                  <a:tcPr>
+                    <a:lnL w="12700" cap="flat" cmpd="sng" algn="ctr">
+                      <a:solidFill>
+                        <a:schemeClr val="tx1"/>
+                      </a:solidFill>
+                      <a:prstDash val="solid"/>
+                      <a:round/>
+                      <a:headEnd type="none" w="med" len="med"/>
+                      <a:tailEnd type="none" w="med" len="med"/>
+                    </a:lnL>
+                    <a:lnR w="12700" cap="flat" cmpd="sng" algn="ctr">
+                      <a:solidFill>
+                        <a:schemeClr val="tx1"/>
+                      </a:solidFill>
+                      <a:prstDash val="solid"/>
+                      <a:round/>
+                      <a:headEnd type="none" w="med" len="med"/>
+                      <a:tailEnd type="none" w="med" len="med"/>
+                    </a:lnR>
+                    <a:lnT w="12700" cap="flat" cmpd="sng" algn="ctr">
+                      <a:solidFill>
+                        <a:schemeClr val="tx1"/>
+                      </a:solidFill>
+                      <a:prstDash val="solid"/>
+                      <a:round/>
+                      <a:headEnd type="none" w="med" len="med"/>
+                      <a:tailEnd type="none" w="med" len="med"/>
+                    </a:lnT>
+                    <a:lnB w="12700" cap="flat" cmpd="sng" algn="ctr">
+                      <a:solidFill>
+                        <a:schemeClr val="tx1"/>
+                      </a:solidFill>
+                      <a:prstDash val="solid"/>
+                      <a:round/>
+                      <a:headEnd type="none" w="med" len="med"/>
+                      <a:tailEnd type="none" w="med" len="med"/>
+                    </a:lnB>
+                  </a:tcPr>
+                </a:tc>
+              </a:tr>
+              <a:tr h="370840">
+                <a:tc>
+                  <a:txBody>
+                    <a:bodyPr/>
+                    <a:lstStyle/>
+                    <a:p>
+                      <a:r>
+                        <a:rPr lang="en-US" dirty="0" smtClean="0"/>
+                        <a:t>Remove Operations</a:t>
+                      </a:r>
+                      <a:endParaRPr lang="en-US" dirty="0"/>
+                    </a:p>
+                  </a:txBody>
+                  <a:tcPr>
+                    <a:lnL w="12700" cap="flat" cmpd="sng" algn="ctr">
+                      <a:solidFill>
+                        <a:schemeClr val="tx1"/>
+                      </a:solidFill>
+                      <a:prstDash val="solid"/>
+                      <a:round/>
+                      <a:headEnd type="none" w="med" len="med"/>
+                      <a:tailEnd type="none" w="med" len="med"/>
+                    </a:lnL>
+                    <a:lnR w="12700" cap="flat" cmpd="sng" algn="ctr">
+                      <a:solidFill>
+                        <a:schemeClr val="tx1"/>
+                      </a:solidFill>
+                      <a:prstDash val="solid"/>
+                      <a:round/>
+                      <a:headEnd type="none" w="med" len="med"/>
+                      <a:tailEnd type="none" w="med" len="med"/>
+                    </a:lnR>
+                    <a:lnT w="12700" cap="flat" cmpd="sng" algn="ctr">
+                      <a:solidFill>
+                        <a:schemeClr val="tx1"/>
+                      </a:solidFill>
+                      <a:prstDash val="solid"/>
+                      <a:round/>
+                      <a:headEnd type="none" w="med" len="med"/>
+                      <a:tailEnd type="none" w="med" len="med"/>
+                    </a:lnT>
+                    <a:lnB w="12700" cap="flat" cmpd="sng" algn="ctr">
+                      <a:solidFill>
+                        <a:schemeClr val="tx1"/>
+                      </a:solidFill>
+                      <a:prstDash val="solid"/>
+                      <a:round/>
+                      <a:headEnd type="none" w="med" len="med"/>
+                      <a:tailEnd type="none" w="med" len="med"/>
+                    </a:lnB>
+                  </a:tcPr>
+                </a:tc>
+                <a:tc>
+                  <a:txBody>
+                    <a:bodyPr/>
+                    <a:lstStyle/>
+                    <a:p>
+                      <a:r>
+                        <a:rPr lang="en-US" dirty="0" smtClean="0"/>
+                        <a:t>Slower</a:t>
+                      </a:r>
+                      <a:endParaRPr lang="en-US" dirty="0"/>
+                    </a:p>
+                  </a:txBody>
+                  <a:tcPr>
+                    <a:lnL w="12700" cap="flat" cmpd="sng" algn="ctr">
+                      <a:solidFill>
+                        <a:schemeClr val="tx1"/>
+                      </a:solidFill>
+                      <a:prstDash val="solid"/>
+                      <a:round/>
+                      <a:headEnd type="none" w="med" len="med"/>
+                      <a:tailEnd type="none" w="med" len="med"/>
+                    </a:lnL>
+                    <a:lnR w="12700" cap="flat" cmpd="sng" algn="ctr">
+                      <a:solidFill>
+                        <a:schemeClr val="tx1"/>
+                      </a:solidFill>
+                      <a:prstDash val="solid"/>
+                      <a:round/>
+                      <a:headEnd type="none" w="med" len="med"/>
+                      <a:tailEnd type="none" w="med" len="med"/>
+                    </a:lnR>
+                    <a:lnT w="12700" cap="flat" cmpd="sng" algn="ctr">
+                      <a:solidFill>
+                        <a:schemeClr val="tx1"/>
+                      </a:solidFill>
+                      <a:prstDash val="solid"/>
+                      <a:round/>
+                      <a:headEnd type="none" w="med" len="med"/>
+                      <a:tailEnd type="none" w="med" len="med"/>
+                    </a:lnT>
+                    <a:lnB w="12700" cap="flat" cmpd="sng" algn="ctr">
+                      <a:solidFill>
+                        <a:schemeClr val="tx1"/>
+                      </a:solidFill>
+                      <a:prstDash val="solid"/>
+                      <a:round/>
+                      <a:headEnd type="none" w="med" len="med"/>
+                      <a:tailEnd type="none" w="med" len="med"/>
+                    </a:lnB>
+                  </a:tcPr>
+                </a:tc>
+                <a:tc>
+                  <a:txBody>
+                    <a:bodyPr/>
+                    <a:lstStyle/>
+                    <a:p>
+                      <a:pPr marL="0" marR="0" indent="0" algn="l" defTabSz="914400" rtl="0" eaLnBrk="1" fontAlgn="auto" latinLnBrk="0" hangingPunct="1">
+                        <a:lnSpc>
+                          <a:spcPct val="100000"/>
+                        </a:lnSpc>
+                        <a:spcBef>
+                          <a:spcPts val="0"/>
+                        </a:spcBef>
+                        <a:spcAft>
+                          <a:spcPts val="0"/>
+                        </a:spcAft>
+                        <a:buClrTx/>
+                        <a:buSzTx/>
+                        <a:buFontTx/>
+                        <a:buNone/>
+                        <a:tabLst/>
+                        <a:defRPr/>
+                      </a:pPr>
+                      <a:r>
+                        <a:rPr lang="en-US" dirty="0" smtClean="0"/>
+                        <a:t>Performs better than EclipseLink</a:t>
+                      </a:r>
+                    </a:p>
+                  </a:txBody>
+                  <a:tcPr>
+                    <a:lnL w="12700" cap="flat" cmpd="sng" algn="ctr">
+                      <a:solidFill>
+                        <a:schemeClr val="tx1"/>
+                      </a:solidFill>
+                      <a:prstDash val="solid"/>
+                      <a:round/>
+                      <a:headEnd type="none" w="med" len="med"/>
+                      <a:tailEnd type="none" w="med" len="med"/>
+                    </a:lnL>
+                    <a:lnR w="12700" cap="flat" cmpd="sng" algn="ctr">
+                      <a:solidFill>
+                        <a:schemeClr val="tx1"/>
+                      </a:solidFill>
+                      <a:prstDash val="solid"/>
+                      <a:round/>
+                      <a:headEnd type="none" w="med" len="med"/>
+                      <a:tailEnd type="none" w="med" len="med"/>
+                    </a:lnR>
+                    <a:lnT w="12700" cap="flat" cmpd="sng" algn="ctr">
+                      <a:solidFill>
+                        <a:schemeClr val="tx1"/>
+                      </a:solidFill>
+                      <a:prstDash val="solid"/>
+                      <a:round/>
+                      <a:headEnd type="none" w="med" len="med"/>
+                      <a:tailEnd type="none" w="med" len="med"/>
+                    </a:lnT>
+                    <a:lnB w="12700" cap="flat" cmpd="sng" algn="ctr">
+                      <a:solidFill>
+                        <a:schemeClr val="tx1"/>
+                      </a:solidFill>
+                      <a:prstDash val="solid"/>
+                      <a:round/>
+                      <a:headEnd type="none" w="med" len="med"/>
+                      <a:tailEnd type="none" w="med" len="med"/>
+                    </a:lnB>
+                  </a:tcPr>
+                </a:tc>
+              </a:tr>
+            </a:tbl>
+          </a:graphicData>
+        </a:graphic>
+      </p:graphicFrame>
     </p:spTree>
     <p:extLst>
       <p:ext uri="{BB962C8B-B14F-4D97-AF65-F5344CB8AC3E}">
-        <p14:creationId xmlns:p14="http://schemas.microsoft.com/office/powerpoint/2010/main" val="924403351"/>
+        <p14:creationId xmlns:p14="http://schemas.microsoft.com/office/powerpoint/2010/main" val="2415636439"/>
       </p:ext>
     </p:extLst>
   </p:cSld>
@@ -6356,6 +7462,109 @@
 </p:sld>
 </file>
 
+<file path=ppt/slides/slide20.xml><?xml version="1.0" encoding="utf-8"?>
+<p:sld xmlns:a="http://schemas.openxmlformats.org/drawingml/2006/main" xmlns:r="http://schemas.openxmlformats.org/officeDocument/2006/relationships" xmlns:p="http://schemas.openxmlformats.org/presentationml/2006/main">
+  <p:cSld>
+    <p:spTree>
+      <p:nvGrpSpPr>
+        <p:cNvPr id="1" name=""/>
+        <p:cNvGrpSpPr/>
+        <p:nvPr/>
+      </p:nvGrpSpPr>
+      <p:grpSpPr>
+        <a:xfrm>
+          <a:off x="0" y="0"/>
+          <a:ext cx="0" cy="0"/>
+          <a:chOff x="0" y="0"/>
+          <a:chExt cx="0" cy="0"/>
+        </a:xfrm>
+      </p:grpSpPr>
+      <p:sp>
+        <p:nvSpPr>
+          <p:cNvPr id="2" name="Title 1"/>
+          <p:cNvSpPr>
+            <a:spLocks noGrp="1"/>
+          </p:cNvSpPr>
+          <p:nvPr>
+            <p:ph type="title"/>
+          </p:nvPr>
+        </p:nvSpPr>
+        <p:spPr/>
+        <p:txBody>
+          <a:bodyPr/>
+          <a:lstStyle/>
+          <a:p>
+            <a:r>
+              <a:rPr lang="en-US" dirty="0" smtClean="0"/>
+              <a:t>References</a:t>
+            </a:r>
+            <a:endParaRPr lang="en-US" dirty="0"/>
+          </a:p>
+        </p:txBody>
+      </p:sp>
+      <p:sp>
+        <p:nvSpPr>
+          <p:cNvPr id="3" name="Content Placeholder 2"/>
+          <p:cNvSpPr>
+            <a:spLocks noGrp="1"/>
+          </p:cNvSpPr>
+          <p:nvPr>
+            <p:ph idx="1"/>
+          </p:nvPr>
+        </p:nvSpPr>
+        <p:spPr/>
+        <p:txBody>
+          <a:bodyPr>
+            <a:normAutofit/>
+          </a:bodyPr>
+          <a:lstStyle/>
+          <a:p>
+            <a:r>
+              <a:rPr lang="en-US" sz="1600" dirty="0">
+                <a:hlinkClick r:id="rId2"/>
+              </a:rPr>
+              <a:t>http://</a:t>
+            </a:r>
+            <a:r>
+              <a:rPr lang="en-US" sz="1600" dirty="0" smtClean="0">
+                <a:hlinkClick r:id="rId2"/>
+              </a:rPr>
+              <a:t>www.tutorialspoint.com/hibernate/hibernate_interview_questions.htm</a:t>
+            </a:r>
+            <a:endParaRPr lang="en-US" sz="1600" dirty="0" smtClean="0"/>
+          </a:p>
+          <a:p>
+            <a:r>
+              <a:rPr lang="en-US" sz="1600" dirty="0"/>
+              <a:t>https://dzone.com/articles/jpa-performance-optimization</a:t>
+            </a:r>
+            <a:endParaRPr lang="en-US" sz="1600" dirty="0" smtClean="0"/>
+          </a:p>
+          <a:p>
+            <a:endParaRPr lang="en-US" sz="1600" dirty="0" smtClean="0"/>
+          </a:p>
+        </p:txBody>
+      </p:sp>
+    </p:spTree>
+    <p:extLst>
+      <p:ext uri="{BB962C8B-B14F-4D97-AF65-F5344CB8AC3E}">
+        <p14:creationId xmlns:p14="http://schemas.microsoft.com/office/powerpoint/2010/main" val="924403351"/>
+      </p:ext>
+    </p:extLst>
+  </p:cSld>
+  <p:clrMapOvr>
+    <a:masterClrMapping/>
+  </p:clrMapOvr>
+  <p:timing>
+    <p:tnLst>
+      <p:par>
+        <p:cTn id="1" dur="indefinite" restart="never" nodeType="tmRoot"/>
+      </p:par>
+    </p:tnLst>
+  </p:timing>
+</p:sld>
+</file>
+
 <file path=ppt/slides/slide3.xml><?xml version="1.0" encoding="utf-8"?>
 <p:sld xmlns:a="http://schemas.openxmlformats.org/drawingml/2006/main" xmlns:r="http://schemas.openxmlformats.org/officeDocument/2006/relationships" xmlns:p="http://schemas.openxmlformats.org/presentationml/2006/main">
   <p:cSld>
@@ -6462,7 +7671,6 @@
               <a:rPr lang="en-GB" sz="1600" dirty="0"/>
               <a:t>Provides Simple querying of data</a:t>
             </a:r>
-            <a:endParaRPr lang="en-GB" sz="1600" dirty="0"/>
           </a:p>
         </p:txBody>
       </p:sp>
@@ -6636,7 +7844,6 @@
               <a:rPr lang="en-GB" sz="1600" dirty="0"/>
               <a:t>Used to create and execute object oriented criteria queries to retrieve objects</a:t>
             </a:r>
-            <a:endParaRPr lang="en-GB" sz="1600" dirty="0"/>
           </a:p>
         </p:txBody>
       </p:sp>
@@ -6813,7 +8020,6 @@
               <a:rPr lang="en-GB" sz="1600" dirty="0"/>
               <a:t>object so usually it is created during application start up and kept for later use. You would need one SessionFactory object per database using a separate configuration file. So if you are using multiple databases then you would have to create multiple SessionFactory objects</a:t>
             </a:r>
-            <a:endParaRPr lang="en-GB" sz="1600" dirty="0"/>
           </a:p>
         </p:txBody>
       </p:sp>

--- a/Hibernate.pptx
+++ b/Hibernate.pptx
@@ -24,7 +24,8 @@
     <p:sldId id="297" r:id="rId18"/>
     <p:sldId id="298" r:id="rId19"/>
     <p:sldId id="299" r:id="rId20"/>
-    <p:sldId id="269" r:id="rId21"/>
+    <p:sldId id="300" r:id="rId21"/>
+    <p:sldId id="269" r:id="rId22"/>
   </p:sldIdLst>
   <p:sldSz cx="9144000" cy="6858000" type="screen4x3"/>
   <p:notesSz cx="6858000" cy="9144000"/>
@@ -314,7 +315,7 @@
           <a:p>
             <a:fld id="{8F235549-BF0A-4B98-8561-3786244E808C}" type="datetimeFigureOut">
               <a:rPr lang="en-US" smtClean="0"/>
-              <a:t>3/31/2016</a:t>
+              <a:t>1/25/2018</a:t>
             </a:fld>
             <a:endParaRPr lang="en-US"/>
           </a:p>
@@ -514,7 +515,7 @@
           <a:p>
             <a:fld id="{8F235549-BF0A-4B98-8561-3786244E808C}" type="datetimeFigureOut">
               <a:rPr lang="en-US" smtClean="0"/>
-              <a:t>3/31/2016</a:t>
+              <a:t>1/25/2018</a:t>
             </a:fld>
             <a:endParaRPr lang="en-US"/>
           </a:p>
@@ -689,7 +690,7 @@
           <a:p>
             <a:fld id="{8F235549-BF0A-4B98-8561-3786244E808C}" type="datetimeFigureOut">
               <a:rPr lang="en-US" smtClean="0"/>
-              <a:t>3/31/2016</a:t>
+              <a:t>1/25/2018</a:t>
             </a:fld>
             <a:endParaRPr lang="en-US"/>
           </a:p>
@@ -854,7 +855,7 @@
           <a:p>
             <a:fld id="{8F235549-BF0A-4B98-8561-3786244E808C}" type="datetimeFigureOut">
               <a:rPr lang="en-US" smtClean="0"/>
-              <a:t>3/31/2016</a:t>
+              <a:t>1/25/2018</a:t>
             </a:fld>
             <a:endParaRPr lang="en-US"/>
           </a:p>
@@ -1102,7 +1103,7 @@
           <a:p>
             <a:fld id="{8F235549-BF0A-4B98-8561-3786244E808C}" type="datetimeFigureOut">
               <a:rPr lang="en-US" smtClean="0"/>
-              <a:t>3/31/2016</a:t>
+              <a:t>1/25/2018</a:t>
             </a:fld>
             <a:endParaRPr lang="en-US"/>
           </a:p>
@@ -1420,7 +1421,7 @@
           <a:p>
             <a:fld id="{8F235549-BF0A-4B98-8561-3786244E808C}" type="datetimeFigureOut">
               <a:rPr lang="en-US" smtClean="0"/>
-              <a:t>3/31/2016</a:t>
+              <a:t>1/25/2018</a:t>
             </a:fld>
             <a:endParaRPr lang="en-US"/>
           </a:p>
@@ -1886,7 +1887,7 @@
           <a:p>
             <a:fld id="{8F235549-BF0A-4B98-8561-3786244E808C}" type="datetimeFigureOut">
               <a:rPr lang="en-US" smtClean="0"/>
-              <a:t>3/31/2016</a:t>
+              <a:t>1/25/2018</a:t>
             </a:fld>
             <a:endParaRPr lang="en-US"/>
           </a:p>
@@ -2034,7 +2035,7 @@
           <a:p>
             <a:fld id="{8F235549-BF0A-4B98-8561-3786244E808C}" type="datetimeFigureOut">
               <a:rPr lang="en-US" smtClean="0"/>
-              <a:t>3/31/2016</a:t>
+              <a:t>1/25/2018</a:t>
             </a:fld>
             <a:endParaRPr lang="en-US"/>
           </a:p>
@@ -2124,7 +2125,7 @@
           <a:p>
             <a:fld id="{8F235549-BF0A-4B98-8561-3786244E808C}" type="datetimeFigureOut">
               <a:rPr lang="en-US" smtClean="0"/>
-              <a:t>3/31/2016</a:t>
+              <a:t>1/25/2018</a:t>
             </a:fld>
             <a:endParaRPr lang="en-US"/>
           </a:p>
@@ -2398,7 +2399,7 @@
           <a:p>
             <a:fld id="{8F235549-BF0A-4B98-8561-3786244E808C}" type="datetimeFigureOut">
               <a:rPr lang="en-US" smtClean="0"/>
-              <a:t>3/31/2016</a:t>
+              <a:t>1/25/2018</a:t>
             </a:fld>
             <a:endParaRPr lang="en-US"/>
           </a:p>
@@ -2703,7 +2704,7 @@
           <a:p>
             <a:fld id="{8F235549-BF0A-4B98-8561-3786244E808C}" type="datetimeFigureOut">
               <a:rPr lang="en-US" smtClean="0"/>
-              <a:t>3/31/2016</a:t>
+              <a:t>1/25/2018</a:t>
             </a:fld>
             <a:endParaRPr lang="en-US"/>
           </a:p>
@@ -3001,7 +3002,7 @@
           <a:p>
             <a:fld id="{8F235549-BF0A-4B98-8561-3786244E808C}" type="datetimeFigureOut">
               <a:rPr lang="en-US" smtClean="0"/>
-              <a:t>3/31/2016</a:t>
+              <a:t>1/25/2018</a:t>
             </a:fld>
             <a:endParaRPr lang="en-US"/>
           </a:p>
@@ -6146,11 +6147,7 @@
           <a:p>
             <a:r>
               <a:rPr lang="en-US" dirty="0" smtClean="0"/>
-              <a:t>JPA – </a:t>
-            </a:r>
-            <a:r>
-              <a:rPr lang="en-US" dirty="0" smtClean="0"/>
-              <a:t>EclipseLink when to use?</a:t>
+              <a:t>JPA – EclipseLink when to use?</a:t>
             </a:r>
             <a:endParaRPr lang="en-US" dirty="0"/>
           </a:p>
@@ -7491,6 +7488,114 @@
         </p:nvSpPr>
         <p:spPr/>
         <p:txBody>
+          <a:bodyPr>
+            <a:normAutofit/>
+          </a:bodyPr>
+          <a:lstStyle/>
+          <a:p>
+            <a:r>
+              <a:rPr lang="en-US" dirty="0" smtClean="0"/>
+              <a:t>Save Vs Persist</a:t>
+            </a:r>
+            <a:endParaRPr lang="en-US" dirty="0"/>
+          </a:p>
+        </p:txBody>
+      </p:sp>
+      <p:sp>
+        <p:nvSpPr>
+          <p:cNvPr id="5" name="Content Placeholder 2"/>
+          <p:cNvSpPr>
+            <a:spLocks noGrp="1"/>
+          </p:cNvSpPr>
+          <p:nvPr>
+            <p:ph idx="1"/>
+          </p:nvPr>
+        </p:nvSpPr>
+        <p:spPr>
+          <a:xfrm>
+            <a:off x="457200" y="1600200"/>
+            <a:ext cx="8229600" cy="4876800"/>
+          </a:xfrm>
+        </p:spPr>
+        <p:txBody>
+          <a:bodyPr>
+            <a:normAutofit/>
+          </a:bodyPr>
+          <a:lstStyle/>
+          <a:p>
+            <a:r>
+              <a:rPr lang="en-GB" sz="1600" dirty="0" smtClean="0"/>
+              <a:t>Save saves the object and return the id of the instance whereas </a:t>
+            </a:r>
+            <a:r>
+              <a:rPr lang="en-GB" sz="1600" b="1" dirty="0" smtClean="0">
+                <a:solidFill>
+                  <a:srgbClr val="FF0000"/>
+                </a:solidFill>
+              </a:rPr>
+              <a:t>persist() do not return </a:t>
+            </a:r>
+            <a:r>
+              <a:rPr lang="en-GB" sz="1600" dirty="0" smtClean="0"/>
+              <a:t>anything after saving the instance</a:t>
+            </a:r>
+            <a:endParaRPr lang="en-GB" sz="1600" b="1" dirty="0" smtClean="0">
+              <a:solidFill>
+                <a:srgbClr val="00B050"/>
+              </a:solidFill>
+            </a:endParaRPr>
+          </a:p>
+        </p:txBody>
+      </p:sp>
+    </p:spTree>
+    <p:extLst>
+      <p:ext uri="{BB962C8B-B14F-4D97-AF65-F5344CB8AC3E}">
+        <p14:creationId xmlns:p14="http://schemas.microsoft.com/office/powerpoint/2010/main" val="3926613703"/>
+      </p:ext>
+    </p:extLst>
+  </p:cSld>
+  <p:clrMapOvr>
+    <a:masterClrMapping/>
+  </p:clrMapOvr>
+  <p:timing>
+    <p:tnLst>
+      <p:par>
+        <p:cTn id="1" dur="indefinite" restart="never" nodeType="tmRoot"/>
+      </p:par>
+    </p:tnLst>
+  </p:timing>
+</p:sld>
+</file>
+
+<file path=ppt/slides/slide21.xml><?xml version="1.0" encoding="utf-8"?>
+<p:sld xmlns:a="http://schemas.openxmlformats.org/drawingml/2006/main" xmlns:r="http://schemas.openxmlformats.org/officeDocument/2006/relationships" xmlns:p="http://schemas.openxmlformats.org/presentationml/2006/main">
+  <p:cSld>
+    <p:spTree>
+      <p:nvGrpSpPr>
+        <p:cNvPr id="1" name=""/>
+        <p:cNvGrpSpPr/>
+        <p:nvPr/>
+      </p:nvGrpSpPr>
+      <p:grpSpPr>
+        <a:xfrm>
+          <a:off x="0" y="0"/>
+          <a:ext cx="0" cy="0"/>
+          <a:chOff x="0" y="0"/>
+          <a:chExt cx="0" cy="0"/>
+        </a:xfrm>
+      </p:grpSpPr>
+      <p:sp>
+        <p:nvSpPr>
+          <p:cNvPr id="2" name="Title 1"/>
+          <p:cNvSpPr>
+            <a:spLocks noGrp="1"/>
+          </p:cNvSpPr>
+          <p:nvPr>
+            <p:ph type="title"/>
+          </p:nvPr>
+        </p:nvSpPr>
+        <p:spPr/>
+        <p:txBody>
           <a:bodyPr/>
           <a:lstStyle/>
           <a:p>
@@ -8196,6 +8301,55 @@
               <a:rPr lang="en-GB" sz="1600" dirty="0" smtClean="0"/>
               <a:t>code</a:t>
             </a:r>
+          </a:p>
+          <a:p>
+            <a:r>
+              <a:rPr lang="en-GB" sz="1600" dirty="0" smtClean="0"/>
+              <a:t>Session object is </a:t>
+            </a:r>
+            <a:r>
+              <a:rPr lang="en-GB" sz="1600" b="1" dirty="0" smtClean="0">
+                <a:solidFill>
+                  <a:srgbClr val="FF0000"/>
+                </a:solidFill>
+              </a:rPr>
+              <a:t>lightweight</a:t>
+            </a:r>
+          </a:p>
+          <a:p>
+            <a:r>
+              <a:rPr lang="en-GB" sz="1600" dirty="0" err="1" smtClean="0">
+                <a:solidFill>
+                  <a:srgbClr val="FF0000"/>
+                </a:solidFill>
+              </a:rPr>
+              <a:t>Session.createQuery</a:t>
+            </a:r>
+            <a:r>
+              <a:rPr lang="en-GB" sz="1600" dirty="0" smtClean="0">
+                <a:solidFill>
+                  <a:srgbClr val="FF0000"/>
+                </a:solidFill>
+              </a:rPr>
+              <a:t>() </a:t>
+            </a:r>
+            <a:r>
+              <a:rPr lang="en-GB" sz="1600" dirty="0" smtClean="0"/>
+              <a:t>creates a </a:t>
+            </a:r>
+            <a:r>
+              <a:rPr lang="en-GB" sz="1600" dirty="0" smtClean="0">
+                <a:solidFill>
+                  <a:srgbClr val="FF0000"/>
+                </a:solidFill>
+              </a:rPr>
+              <a:t>new instance </a:t>
+            </a:r>
+            <a:r>
+              <a:rPr lang="en-GB" sz="1600" dirty="0" smtClean="0"/>
+              <a:t>of query for the given HQL query string</a:t>
+            </a:r>
+            <a:endParaRPr lang="en-GB" sz="1600" dirty="0"/>
           </a:p>
         </p:txBody>
       </p:sp>

--- a/Hibernate.pptx
+++ b/Hibernate.pptx
@@ -315,7 +315,7 @@
           <a:p>
             <a:fld id="{8F235549-BF0A-4B98-8561-3786244E808C}" type="datetimeFigureOut">
               <a:rPr lang="en-US" smtClean="0"/>
-              <a:t>1/25/2018</a:t>
+              <a:t>2/4/2018</a:t>
             </a:fld>
             <a:endParaRPr lang="en-US"/>
           </a:p>
@@ -515,7 +515,7 @@
           <a:p>
             <a:fld id="{8F235549-BF0A-4B98-8561-3786244E808C}" type="datetimeFigureOut">
               <a:rPr lang="en-US" smtClean="0"/>
-              <a:t>1/25/2018</a:t>
+              <a:t>2/4/2018</a:t>
             </a:fld>
             <a:endParaRPr lang="en-US"/>
           </a:p>
@@ -690,7 +690,7 @@
           <a:p>
             <a:fld id="{8F235549-BF0A-4B98-8561-3786244E808C}" type="datetimeFigureOut">
               <a:rPr lang="en-US" smtClean="0"/>
-              <a:t>1/25/2018</a:t>
+              <a:t>2/4/2018</a:t>
             </a:fld>
             <a:endParaRPr lang="en-US"/>
           </a:p>
@@ -855,7 +855,7 @@
           <a:p>
             <a:fld id="{8F235549-BF0A-4B98-8561-3786244E808C}" type="datetimeFigureOut">
               <a:rPr lang="en-US" smtClean="0"/>
-              <a:t>1/25/2018</a:t>
+              <a:t>2/4/2018</a:t>
             </a:fld>
             <a:endParaRPr lang="en-US"/>
           </a:p>
@@ -1103,7 +1103,7 @@
           <a:p>
             <a:fld id="{8F235549-BF0A-4B98-8561-3786244E808C}" type="datetimeFigureOut">
               <a:rPr lang="en-US" smtClean="0"/>
-              <a:t>1/25/2018</a:t>
+              <a:t>2/4/2018</a:t>
             </a:fld>
             <a:endParaRPr lang="en-US"/>
           </a:p>
@@ -1421,7 +1421,7 @@
           <a:p>
             <a:fld id="{8F235549-BF0A-4B98-8561-3786244E808C}" type="datetimeFigureOut">
               <a:rPr lang="en-US" smtClean="0"/>
-              <a:t>1/25/2018</a:t>
+              <a:t>2/4/2018</a:t>
             </a:fld>
             <a:endParaRPr lang="en-US"/>
           </a:p>
@@ -1887,7 +1887,7 @@
           <a:p>
             <a:fld id="{8F235549-BF0A-4B98-8561-3786244E808C}" type="datetimeFigureOut">
               <a:rPr lang="en-US" smtClean="0"/>
-              <a:t>1/25/2018</a:t>
+              <a:t>2/4/2018</a:t>
             </a:fld>
             <a:endParaRPr lang="en-US"/>
           </a:p>
@@ -2035,7 +2035,7 @@
           <a:p>
             <a:fld id="{8F235549-BF0A-4B98-8561-3786244E808C}" type="datetimeFigureOut">
               <a:rPr lang="en-US" smtClean="0"/>
-              <a:t>1/25/2018</a:t>
+              <a:t>2/4/2018</a:t>
             </a:fld>
             <a:endParaRPr lang="en-US"/>
           </a:p>
@@ -2125,7 +2125,7 @@
           <a:p>
             <a:fld id="{8F235549-BF0A-4B98-8561-3786244E808C}" type="datetimeFigureOut">
               <a:rPr lang="en-US" smtClean="0"/>
-              <a:t>1/25/2018</a:t>
+              <a:t>2/4/2018</a:t>
             </a:fld>
             <a:endParaRPr lang="en-US"/>
           </a:p>
@@ -2399,7 +2399,7 @@
           <a:p>
             <a:fld id="{8F235549-BF0A-4B98-8561-3786244E808C}" type="datetimeFigureOut">
               <a:rPr lang="en-US" smtClean="0"/>
-              <a:t>1/25/2018</a:t>
+              <a:t>2/4/2018</a:t>
             </a:fld>
             <a:endParaRPr lang="en-US"/>
           </a:p>
@@ -2704,7 +2704,7 @@
           <a:p>
             <a:fld id="{8F235549-BF0A-4B98-8561-3786244E808C}" type="datetimeFigureOut">
               <a:rPr lang="en-US" smtClean="0"/>
-              <a:t>1/25/2018</a:t>
+              <a:t>2/4/2018</a:t>
             </a:fld>
             <a:endParaRPr lang="en-US"/>
           </a:p>
@@ -3002,7 +3002,7 @@
           <a:p>
             <a:fld id="{8F235549-BF0A-4B98-8561-3786244E808C}" type="datetimeFigureOut">
               <a:rPr lang="en-US" smtClean="0"/>
-              <a:t>1/25/2018</a:t>
+              <a:t>2/4/2018</a:t>
             </a:fld>
             <a:endParaRPr lang="en-US"/>
           </a:p>
@@ -5405,7 +5405,7 @@
             <a:r>
               <a:rPr lang="en-GB" sz="1600" b="1" dirty="0">
                 <a:solidFill>
-                  <a:srgbClr val="00B050"/>
+                  <a:srgbClr val="FF0000"/>
                 </a:solidFill>
               </a:rPr>
               <a:t>lazy loading is by default</a:t>
